--- a/maestro/presentations/2012-engineers-week/maestro-engineers-week.pptx
+++ b/maestro/presentations/2012-engineers-week/maestro-engineers-week.pptx
@@ -296,7 +296,7 @@
           <a:p>
             <a:fld id="{A2317D09-B6D2-44CA-8B07-932ED0C95C63}" type="datetimeFigureOut">
               <a:rPr lang="en-US" smtClean="0"/>
-              <a:t>1/31/2012</a:t>
+              <a:t>2/5/12</a:t>
             </a:fld>
             <a:endParaRPr lang="en-US"/>
           </a:p>
@@ -466,7 +466,7 @@
           <a:p>
             <a:fld id="{A2317D09-B6D2-44CA-8B07-932ED0C95C63}" type="datetimeFigureOut">
               <a:rPr lang="en-US" smtClean="0"/>
-              <a:t>1/31/2012</a:t>
+              <a:t>2/5/12</a:t>
             </a:fld>
             <a:endParaRPr lang="en-US"/>
           </a:p>
@@ -646,7 +646,7 @@
           <a:p>
             <a:fld id="{A2317D09-B6D2-44CA-8B07-932ED0C95C63}" type="datetimeFigureOut">
               <a:rPr lang="en-US" smtClean="0"/>
-              <a:t>1/31/2012</a:t>
+              <a:t>2/5/12</a:t>
             </a:fld>
             <a:endParaRPr lang="en-US"/>
           </a:p>
@@ -816,7 +816,7 @@
           <a:p>
             <a:fld id="{A2317D09-B6D2-44CA-8B07-932ED0C95C63}" type="datetimeFigureOut">
               <a:rPr lang="en-US" smtClean="0"/>
-              <a:t>1/31/2012</a:t>
+              <a:t>2/5/12</a:t>
             </a:fld>
             <a:endParaRPr lang="en-US"/>
           </a:p>
@@ -1062,7 +1062,7 @@
           <a:p>
             <a:fld id="{A2317D09-B6D2-44CA-8B07-932ED0C95C63}" type="datetimeFigureOut">
               <a:rPr lang="en-US" smtClean="0"/>
-              <a:t>1/31/2012</a:t>
+              <a:t>2/5/12</a:t>
             </a:fld>
             <a:endParaRPr lang="en-US"/>
           </a:p>
@@ -1350,7 +1350,7 @@
           <a:p>
             <a:fld id="{A2317D09-B6D2-44CA-8B07-932ED0C95C63}" type="datetimeFigureOut">
               <a:rPr lang="en-US" smtClean="0"/>
-              <a:t>1/31/2012</a:t>
+              <a:t>2/5/12</a:t>
             </a:fld>
             <a:endParaRPr lang="en-US"/>
           </a:p>
@@ -1772,7 +1772,7 @@
           <a:p>
             <a:fld id="{A2317D09-B6D2-44CA-8B07-932ED0C95C63}" type="datetimeFigureOut">
               <a:rPr lang="en-US" smtClean="0"/>
-              <a:t>1/31/2012</a:t>
+              <a:t>2/5/12</a:t>
             </a:fld>
             <a:endParaRPr lang="en-US"/>
           </a:p>
@@ -1890,7 +1890,7 @@
           <a:p>
             <a:fld id="{A2317D09-B6D2-44CA-8B07-932ED0C95C63}" type="datetimeFigureOut">
               <a:rPr lang="en-US" smtClean="0"/>
-              <a:t>1/31/2012</a:t>
+              <a:t>2/5/12</a:t>
             </a:fld>
             <a:endParaRPr lang="en-US"/>
           </a:p>
@@ -1985,7 +1985,7 @@
           <a:p>
             <a:fld id="{A2317D09-B6D2-44CA-8B07-932ED0C95C63}" type="datetimeFigureOut">
               <a:rPr lang="en-US" smtClean="0"/>
-              <a:t>1/31/2012</a:t>
+              <a:t>2/5/12</a:t>
             </a:fld>
             <a:endParaRPr lang="en-US"/>
           </a:p>
@@ -2262,7 +2262,7 @@
           <a:p>
             <a:fld id="{A2317D09-B6D2-44CA-8B07-932ED0C95C63}" type="datetimeFigureOut">
               <a:rPr lang="en-US" smtClean="0"/>
-              <a:t>1/31/2012</a:t>
+              <a:t>2/5/12</a:t>
             </a:fld>
             <a:endParaRPr lang="en-US"/>
           </a:p>
@@ -2515,7 +2515,7 @@
           <a:p>
             <a:fld id="{A2317D09-B6D2-44CA-8B07-932ED0C95C63}" type="datetimeFigureOut">
               <a:rPr lang="en-US" smtClean="0"/>
-              <a:t>1/31/2012</a:t>
+              <a:t>2/5/12</a:t>
             </a:fld>
             <a:endParaRPr lang="en-US"/>
           </a:p>
@@ -2728,7 +2728,7 @@
           <a:p>
             <a:fld id="{A2317D09-B6D2-44CA-8B07-932ED0C95C63}" type="datetimeFigureOut">
               <a:rPr lang="en-US" smtClean="0"/>
-              <a:t>1/31/2012</a:t>
+              <a:t>2/5/12</a:t>
             </a:fld>
             <a:endParaRPr lang="en-US"/>
           </a:p>
@@ -3221,7 +3221,7 @@
         </p:blipFill>
         <p:spPr>
           <a:xfrm>
-            <a:off x="4495800" y="4284133"/>
+            <a:off x="3810000" y="4419600"/>
             <a:ext cx="1657350" cy="1657350"/>
           </a:xfrm>
           <a:prstGeom prst="rect">
@@ -3302,7 +3302,7 @@
   <p:timing>
     <p:tnLst>
       <p:par>
-        <p:cTn id="1" dur="indefinite" restart="never" nodeType="tmRoot"/>
+        <p:cTn xmlns:p14="http://schemas.microsoft.com/office/powerpoint/2010/main" id="1" dur="indefinite" restart="never" nodeType="tmRoot"/>
       </p:par>
     </p:tnLst>
   </p:timing>
@@ -3444,7 +3444,7 @@
   <p:timing>
     <p:tnLst>
       <p:par>
-        <p:cTn id="1" dur="indefinite" restart="never" nodeType="tmRoot"/>
+        <p:cTn xmlns:p14="http://schemas.microsoft.com/office/powerpoint/2010/main" id="1" dur="indefinite" restart="never" nodeType="tmRoot"/>
       </p:par>
     </p:tnLst>
   </p:timing>
@@ -3757,7 +3757,7 @@
   <p:timing>
     <p:tnLst>
       <p:par>
-        <p:cTn id="1" dur="indefinite" restart="never" nodeType="tmRoot"/>
+        <p:cTn xmlns:p14="http://schemas.microsoft.com/office/powerpoint/2010/main" id="1" dur="indefinite" restart="never" nodeType="tmRoot"/>
       </p:par>
     </p:tnLst>
   </p:timing>
@@ -4003,7 +4003,7 @@
   <p:timing>
     <p:tnLst>
       <p:par>
-        <p:cTn id="1" dur="indefinite" restart="never" nodeType="tmRoot"/>
+        <p:cTn xmlns:p14="http://schemas.microsoft.com/office/powerpoint/2010/main" id="1" dur="indefinite" restart="never" nodeType="tmRoot"/>
       </p:par>
     </p:tnLst>
   </p:timing>
@@ -4126,7 +4126,7 @@
   <p:timing>
     <p:tnLst>
       <p:par>
-        <p:cTn id="1" dur="indefinite" restart="never" nodeType="tmRoot"/>
+        <p:cTn xmlns:p14="http://schemas.microsoft.com/office/powerpoint/2010/main" id="1" dur="indefinite" restart="never" nodeType="tmRoot"/>
       </p:par>
     </p:tnLst>
   </p:timing>
@@ -4342,7 +4342,7 @@
   <p:timing>
     <p:tnLst>
       <p:par>
-        <p:cTn id="1" dur="indefinite" restart="never" nodeType="tmRoot"/>
+        <p:cTn xmlns:p14="http://schemas.microsoft.com/office/powerpoint/2010/main" id="1" dur="indefinite" restart="never" nodeType="tmRoot"/>
       </p:par>
     </p:tnLst>
   </p:timing>
@@ -4421,7 +4421,7 @@
   <p:timing>
     <p:tnLst>
       <p:par>
-        <p:cTn id="1" dur="indefinite" restart="never" nodeType="tmRoot"/>
+        <p:cTn xmlns:p14="http://schemas.microsoft.com/office/powerpoint/2010/main" id="1" dur="indefinite" restart="never" nodeType="tmRoot"/>
       </p:par>
     </p:tnLst>
   </p:timing>
@@ -4541,7 +4541,7 @@
   <p:timing>
     <p:tnLst>
       <p:par>
-        <p:cTn id="1" dur="indefinite" restart="never" nodeType="tmRoot"/>
+        <p:cTn xmlns:p14="http://schemas.microsoft.com/office/powerpoint/2010/main" id="1" dur="indefinite" restart="never" nodeType="tmRoot"/>
       </p:par>
     </p:tnLst>
   </p:timing>
@@ -4845,7 +4845,7 @@
         </p:blipFill>
         <p:spPr>
           <a:xfrm>
-            <a:off x="4495800" y="4514850"/>
+            <a:off x="3810000" y="4572000"/>
             <a:ext cx="1657350" cy="1657350"/>
           </a:xfrm>
           <a:prstGeom prst="rect">
@@ -4926,7 +4926,7 @@
   <p:timing>
     <p:tnLst>
       <p:par>
-        <p:cTn id="1" dur="indefinite" restart="never" nodeType="tmRoot"/>
+        <p:cTn xmlns:p14="http://schemas.microsoft.com/office/powerpoint/2010/main" id="1" dur="indefinite" restart="never" nodeType="tmRoot"/>
       </p:par>
     </p:tnLst>
   </p:timing>
